--- a/version_0.3.pptx
+++ b/version_0.3.pptx
@@ -15,7 +15,8 @@
     <p:sldId id="259" r:id="rId9"/>
     <p:sldId id="257" r:id="rId10"/>
     <p:sldId id="266" r:id="rId11"/>
-    <p:sldId id="268" r:id="rId12"/>
+    <p:sldId id="269" r:id="rId12"/>
+    <p:sldId id="268" r:id="rId13"/>
   </p:sldIdLst>
   <p:sldSz cx="9144000" cy="6858000" type="screen4x3"/>
   <p:notesSz cx="6858000" cy="9144000"/>
@@ -377,11 +378,11 @@
           <c:showPercent val="0"/>
           <c:showBubbleSize val="0"/>
         </c:dLbls>
-        <c:axId val="-1501971152"/>
-        <c:axId val="-1501978768"/>
+        <c:axId val="-1792868928"/>
+        <c:axId val="-1792871104"/>
       </c:scatterChart>
       <c:valAx>
-        <c:axId val="-1501971152"/>
+        <c:axId val="-1792868928"/>
         <c:scaling>
           <c:orientation val="minMax"/>
           <c:max val="500"/>
@@ -439,13 +440,13 @@
             <a:endParaRPr lang="zh-CN"/>
           </a:p>
         </c:txPr>
-        <c:crossAx val="-1501978768"/>
+        <c:crossAx val="-1792871104"/>
         <c:crosses val="autoZero"/>
         <c:crossBetween val="midCat"/>
         <c:majorUnit val="25"/>
       </c:valAx>
       <c:valAx>
-        <c:axId val="-1501978768"/>
+        <c:axId val="-1792871104"/>
         <c:scaling>
           <c:orientation val="minMax"/>
           <c:min val="-3"/>
@@ -503,7 +504,7 @@
             <a:endParaRPr lang="zh-CN"/>
           </a:p>
         </c:txPr>
-        <c:crossAx val="-1501971152"/>
+        <c:crossAx val="-1792868928"/>
         <c:crosses val="autoZero"/>
         <c:crossBetween val="midCat"/>
         <c:majorUnit val="0.5"/>
@@ -1291,7 +1292,7 @@
           <a:p>
             <a:fld id="{9280C37E-3414-44A5-9A7C-1382ED59273F}" type="datetimeFigureOut">
               <a:rPr lang="zh-CN" altLang="en-US" smtClean="0"/>
-              <a:t>2016/5/29</a:t>
+              <a:t>2016/6/1</a:t>
             </a:fld>
             <a:endParaRPr lang="zh-CN" altLang="en-US"/>
           </a:p>
@@ -1642,7 +1643,7 @@
           <a:p>
             <a:fld id="{9280C37E-3414-44A5-9A7C-1382ED59273F}" type="datetimeFigureOut">
               <a:rPr lang="zh-CN" altLang="en-US" smtClean="0"/>
-              <a:t>2016/5/29</a:t>
+              <a:t>2016/6/1</a:t>
             </a:fld>
             <a:endParaRPr lang="zh-CN" altLang="en-US"/>
           </a:p>
@@ -2053,7 +2054,7 @@
           <a:p>
             <a:fld id="{9280C37E-3414-44A5-9A7C-1382ED59273F}" type="datetimeFigureOut">
               <a:rPr lang="zh-CN" altLang="en-US" smtClean="0"/>
-              <a:t>2016/5/29</a:t>
+              <a:t>2016/6/1</a:t>
             </a:fld>
             <a:endParaRPr lang="zh-CN" altLang="en-US"/>
           </a:p>
@@ -2399,7 +2400,7 @@
           <a:p>
             <a:fld id="{9280C37E-3414-44A5-9A7C-1382ED59273F}" type="datetimeFigureOut">
               <a:rPr lang="zh-CN" altLang="en-US" smtClean="0"/>
-              <a:t>2016/5/29</a:t>
+              <a:t>2016/6/1</a:t>
             </a:fld>
             <a:endParaRPr lang="zh-CN" altLang="en-US"/>
           </a:p>
@@ -2729,7 +2730,7 @@
           <a:p>
             <a:fld id="{9280C37E-3414-44A5-9A7C-1382ED59273F}" type="datetimeFigureOut">
               <a:rPr lang="zh-CN" altLang="en-US" smtClean="0"/>
-              <a:t>2016/5/29</a:t>
+              <a:t>2016/6/1</a:t>
             </a:fld>
             <a:endParaRPr lang="zh-CN" altLang="en-US"/>
           </a:p>
@@ -3135,7 +3136,7 @@
           <a:p>
             <a:fld id="{9280C37E-3414-44A5-9A7C-1382ED59273F}" type="datetimeFigureOut">
               <a:rPr lang="zh-CN" altLang="en-US" smtClean="0"/>
-              <a:t>2016/5/29</a:t>
+              <a:t>2016/6/1</a:t>
             </a:fld>
             <a:endParaRPr lang="zh-CN" altLang="en-US"/>
           </a:p>
@@ -3402,7 +3403,7 @@
           <a:p>
             <a:fld id="{9280C37E-3414-44A5-9A7C-1382ED59273F}" type="datetimeFigureOut">
               <a:rPr lang="zh-CN" altLang="en-US" smtClean="0"/>
-              <a:t>2016/5/29</a:t>
+              <a:t>2016/6/1</a:t>
             </a:fld>
             <a:endParaRPr lang="zh-CN" altLang="en-US"/>
           </a:p>
@@ -3674,7 +3675,7 @@
           <a:p>
             <a:fld id="{9280C37E-3414-44A5-9A7C-1382ED59273F}" type="datetimeFigureOut">
               <a:rPr lang="zh-CN" altLang="en-US" smtClean="0"/>
-              <a:t>2016/5/29</a:t>
+              <a:t>2016/6/1</a:t>
             </a:fld>
             <a:endParaRPr lang="zh-CN" altLang="en-US"/>
           </a:p>
@@ -3946,7 +3947,7 @@
           <a:p>
             <a:fld id="{9280C37E-3414-44A5-9A7C-1382ED59273F}" type="datetimeFigureOut">
               <a:rPr lang="zh-CN" altLang="en-US" smtClean="0"/>
-              <a:t>2016/5/29</a:t>
+              <a:t>2016/6/1</a:t>
             </a:fld>
             <a:endParaRPr lang="zh-CN" altLang="en-US"/>
           </a:p>
@@ -4285,7 +4286,7 @@
           <a:p>
             <a:fld id="{9280C37E-3414-44A5-9A7C-1382ED59273F}" type="datetimeFigureOut">
               <a:rPr lang="zh-CN" altLang="en-US" smtClean="0"/>
-              <a:t>2016/5/29</a:t>
+              <a:t>2016/6/1</a:t>
             </a:fld>
             <a:endParaRPr lang="zh-CN" altLang="en-US"/>
           </a:p>
@@ -4618,7 +4619,7 @@
           <a:p>
             <a:fld id="{9280C37E-3414-44A5-9A7C-1382ED59273F}" type="datetimeFigureOut">
               <a:rPr lang="zh-CN" altLang="en-US" smtClean="0"/>
-              <a:t>2016/5/29</a:t>
+              <a:t>2016/6/1</a:t>
             </a:fld>
             <a:endParaRPr lang="zh-CN" altLang="en-US"/>
           </a:p>
@@ -5085,7 +5086,7 @@
           <a:p>
             <a:fld id="{9280C37E-3414-44A5-9A7C-1382ED59273F}" type="datetimeFigureOut">
               <a:rPr lang="zh-CN" altLang="en-US" smtClean="0"/>
-              <a:t>2016/5/29</a:t>
+              <a:t>2016/6/1</a:t>
             </a:fld>
             <a:endParaRPr lang="zh-CN" altLang="en-US"/>
           </a:p>
@@ -5305,7 +5306,7 @@
           <a:p>
             <a:fld id="{9280C37E-3414-44A5-9A7C-1382ED59273F}" type="datetimeFigureOut">
               <a:rPr lang="zh-CN" altLang="en-US" smtClean="0"/>
-              <a:t>2016/5/29</a:t>
+              <a:t>2016/6/1</a:t>
             </a:fld>
             <a:endParaRPr lang="zh-CN" altLang="en-US"/>
           </a:p>
@@ -5492,7 +5493,7 @@
           <a:p>
             <a:fld id="{9280C37E-3414-44A5-9A7C-1382ED59273F}" type="datetimeFigureOut">
               <a:rPr lang="zh-CN" altLang="en-US" smtClean="0"/>
-              <a:t>2016/5/29</a:t>
+              <a:t>2016/6/1</a:t>
             </a:fld>
             <a:endParaRPr lang="zh-CN" altLang="en-US"/>
           </a:p>
@@ -5835,7 +5836,7 @@
           <a:p>
             <a:fld id="{9280C37E-3414-44A5-9A7C-1382ED59273F}" type="datetimeFigureOut">
               <a:rPr lang="zh-CN" altLang="en-US" smtClean="0"/>
-              <a:t>2016/5/29</a:t>
+              <a:t>2016/6/1</a:t>
             </a:fld>
             <a:endParaRPr lang="zh-CN" altLang="en-US"/>
           </a:p>
@@ -6190,7 +6191,7 @@
           <a:p>
             <a:fld id="{9280C37E-3414-44A5-9A7C-1382ED59273F}" type="datetimeFigureOut">
               <a:rPr lang="zh-CN" altLang="en-US" smtClean="0"/>
-              <a:t>2016/5/29</a:t>
+              <a:t>2016/6/1</a:t>
             </a:fld>
             <a:endParaRPr lang="zh-CN" altLang="en-US"/>
           </a:p>
@@ -8317,7 +8318,7 @@
           <a:p>
             <a:fld id="{9280C37E-3414-44A5-9A7C-1382ED59273F}" type="datetimeFigureOut">
               <a:rPr lang="zh-CN" altLang="en-US" smtClean="0"/>
-              <a:t>2016/5/29</a:t>
+              <a:t>2016/6/1</a:t>
             </a:fld>
             <a:endParaRPr lang="zh-CN" altLang="en-US"/>
           </a:p>
@@ -9382,6 +9383,90 @@
 </file>
 
 <file path=ppt/slides/slide11.xml><?xml version="1.0" encoding="utf-8"?>
+<p:sld xmlns:a="http://schemas.openxmlformats.org/drawingml/2006/main" xmlns:r="http://schemas.openxmlformats.org/officeDocument/2006/relationships" xmlns:p="http://schemas.openxmlformats.org/presentationml/2006/main">
+  <p:cSld>
+    <p:spTree>
+      <p:nvGrpSpPr>
+        <p:cNvPr id="1" name=""/>
+        <p:cNvGrpSpPr/>
+        <p:nvPr/>
+      </p:nvGrpSpPr>
+      <p:grpSpPr>
+        <a:xfrm>
+          <a:off x="0" y="0"/>
+          <a:ext cx="0" cy="0"/>
+          <a:chOff x="0" y="0"/>
+          <a:chExt cx="0" cy="0"/>
+        </a:xfrm>
+      </p:grpSpPr>
+      <p:sp>
+        <p:nvSpPr>
+          <p:cNvPr id="2" name="标题 1"/>
+          <p:cNvSpPr>
+            <a:spLocks noGrp="1"/>
+          </p:cNvSpPr>
+          <p:nvPr>
+            <p:ph type="title"/>
+          </p:nvPr>
+        </p:nvSpPr>
+        <p:spPr/>
+        <p:txBody>
+          <a:bodyPr/>
+          <a:lstStyle/>
+          <a:p>
+            <a:endParaRPr lang="zh-CN" altLang="en-US"/>
+          </a:p>
+        </p:txBody>
+      </p:sp>
+      <p:sp>
+        <p:nvSpPr>
+          <p:cNvPr id="3" name="内容占位符 2"/>
+          <p:cNvSpPr>
+            <a:spLocks noGrp="1"/>
+          </p:cNvSpPr>
+          <p:nvPr>
+            <p:ph idx="1"/>
+          </p:nvPr>
+        </p:nvSpPr>
+        <p:spPr/>
+        <p:txBody>
+          <a:bodyPr/>
+          <a:lstStyle/>
+          <a:p>
+            <a:r>
+              <a:rPr lang="zh-CN" altLang="en-US" smtClean="0"/>
+              <a:t>固定的测试用例</a:t>
+            </a:r>
+            <a:endParaRPr lang="zh-CN" altLang="en-US"/>
+          </a:p>
+        </p:txBody>
+      </p:sp>
+    </p:spTree>
+    <p:extLst>
+      <p:ext uri="{BB962C8B-B14F-4D97-AF65-F5344CB8AC3E}">
+        <p14:creationId xmlns:p14="http://schemas.microsoft.com/office/powerpoint/2010/main" val="2131170318"/>
+      </p:ext>
+    </p:extLst>
+  </p:cSld>
+  <p:clrMapOvr>
+    <a:masterClrMapping/>
+  </p:clrMapOvr>
+  <mc:AlternateContent xmlns:mc="http://schemas.openxmlformats.org/markup-compatibility/2006" xmlns:p15="http://schemas.microsoft.com/office/powerpoint/2012/main">
+    <mc:Choice Requires="p15">
+      <p:transition xmlns:p14="http://schemas.microsoft.com/office/powerpoint/2010/main" spd="slow" p14:dur="2000">
+        <p15:prstTrans prst="crush"/>
+      </p:transition>
+    </mc:Choice>
+    <mc:Fallback xmlns="">
+      <p:transition spd="slow">
+        <p:fade/>
+      </p:transition>
+    </mc:Fallback>
+  </mc:AlternateContent>
+</p:sld>
+</file>
+
+<file path=ppt/slides/slide12.xml><?xml version="1.0" encoding="utf-8"?>
 <p:sld xmlns:a="http://schemas.openxmlformats.org/drawingml/2006/main" xmlns:r="http://schemas.openxmlformats.org/officeDocument/2006/relationships" xmlns:p="http://schemas.openxmlformats.org/presentationml/2006/main">
   <p:cSld>
     <p:spTree>
